--- a/PPT/ICCV2019 Reflective Decoding Network for Image Captioning.pptx
+++ b/PPT/ICCV2019 Reflective Decoding Network for Image Captioning.pptx
@@ -8,15 +8,15 @@
     <p:notesMasterId r:id="rId11"/>
   </p:notesMasterIdLst>
   <p:sldIdLst>
-    <p:sldId id="257" r:id="rId2"/>
-    <p:sldId id="258" r:id="rId3"/>
-    <p:sldId id="259" r:id="rId4"/>
-    <p:sldId id="260" r:id="rId5"/>
-    <p:sldId id="261" r:id="rId6"/>
-    <p:sldId id="262" r:id="rId7"/>
-    <p:sldId id="263" r:id="rId8"/>
-    <p:sldId id="264" r:id="rId9"/>
-    <p:sldId id="265" r:id="rId10"/>
+    <p:sldId id="256" r:id="rId2"/>
+    <p:sldId id="257" r:id="rId3"/>
+    <p:sldId id="258" r:id="rId4"/>
+    <p:sldId id="259" r:id="rId5"/>
+    <p:sldId id="260" r:id="rId6"/>
+    <p:sldId id="261" r:id="rId7"/>
+    <p:sldId id="262" r:id="rId8"/>
+    <p:sldId id="263" r:id="rId9"/>
+    <p:sldId id="264" r:id="rId10"/>
   </p:sldIdLst>
   <p:sldSz cx="12192000" cy="6858000"/>
   <p:notesSz cx="6858000" cy="9144000"/>
@@ -115,6 +115,11 @@
       </a:defRPr>
     </a:lvl9pPr>
   </p:defaultTextStyle>
+  <p:extLst>
+    <p:ext uri="{EFAFB233-063F-42B5-8137-9DF3F51BA10A}">
+      <p15:sldGuideLst xmlns:p15="http://schemas.microsoft.com/office/powerpoint/2012/main"/>
+    </p:ext>
+  </p:extLst>
 </p:presentation>
 </file>
 
@@ -200,7 +205,7 @@
           <a:p>
             <a:fld id="{4106CD39-1294-4458-940C-AF4853DAA58E}" type="datetimeFigureOut">
               <a:rPr lang="zh-CN" altLang="en-US" smtClean="0"/>
-              <a:t>2020/3/29</a:t>
+              <a:t>2020/4/26</a:t>
             </a:fld>
             <a:endParaRPr lang="zh-CN" altLang="en-US"/>
           </a:p>
@@ -487,9 +492,9 @@
       </p:grpSpPr>
       <p:sp>
         <p:nvSpPr>
-          <p:cNvPr id="52225" name="幻灯片图像占位符 1"/>
-          <p:cNvSpPr>
-            <a:spLocks noGrp="1" noRot="1" noChangeArrowheads="1"/>
+          <p:cNvPr id="52226" name="幻灯片图像占位符 1"/>
+          <p:cNvSpPr>
+            <a:spLocks noGrp="1" noRot="1" noChangeArrowheads="1" noTextEdit="1"/>
           </p:cNvSpPr>
           <p:nvPr>
             <p:ph type="sldImg" idx="4294967295"/>
@@ -503,7 +508,7 @@
       </p:sp>
       <p:sp>
         <p:nvSpPr>
-          <p:cNvPr id="52226" name="文本占位符 2"/>
+          <p:cNvPr id="52227" name="文本占位符 2"/>
           <p:cNvSpPr>
             <a:spLocks noGrp="1" noChangeArrowheads="1"/>
           </p:cNvSpPr>
@@ -516,6 +521,7 @@
           <a:bodyPr/>
           <a:lstStyle/>
           <a:p>
+            <a:pPr eaLnBrk="1" hangingPunct="1"/>
             <a:r>
               <a:rPr lang="zh-CN" altLang="en-US" smtClean="0"/>
               <a:t>Current mainstream caption decoder </a:t>
@@ -534,7 +540,7 @@
     </p:spTree>
     <p:extLst>
       <p:ext uri="{BB962C8B-B14F-4D97-AF65-F5344CB8AC3E}">
-        <p14:creationId xmlns:p14="http://schemas.microsoft.com/office/powerpoint/2010/main" val="2417017574"/>
+        <p14:creationId xmlns:p14="http://schemas.microsoft.com/office/powerpoint/2010/main" val="3978540828"/>
       </p:ext>
     </p:extLst>
   </p:cSld>
@@ -563,9 +569,9 @@
       </p:grpSpPr>
       <p:sp>
         <p:nvSpPr>
-          <p:cNvPr id="54273" name="幻灯片图像占位符 1"/>
-          <p:cNvSpPr>
-            <a:spLocks noGrp="1" noRot="1" noChangeArrowheads="1"/>
+          <p:cNvPr id="54274" name="幻灯片图像占位符 1"/>
+          <p:cNvSpPr>
+            <a:spLocks noGrp="1" noRot="1" noChangeArrowheads="1" noTextEdit="1"/>
           </p:cNvSpPr>
           <p:nvPr>
             <p:ph type="sldImg" idx="4294967295"/>
@@ -579,7 +585,7 @@
       </p:sp>
       <p:sp>
         <p:nvSpPr>
-          <p:cNvPr id="54274" name="文本占位符 2"/>
+          <p:cNvPr id="54275" name="文本占位符 2"/>
           <p:cNvSpPr>
             <a:spLocks noGrp="1" noChangeArrowheads="1"/>
           </p:cNvSpPr>
@@ -592,6 +598,7 @@
           <a:bodyPr/>
           <a:lstStyle/>
           <a:p>
+            <a:pPr eaLnBrk="1" hangingPunct="1"/>
             <a:r>
               <a:rPr lang="zh-CN" altLang="en-US" smtClean="0">
                 <a:sym typeface="宋体" panose="02010600030101010101" pitchFamily="2" charset="-122"/>
@@ -614,6 +621,7 @@
             </a:r>
           </a:p>
           <a:p>
+            <a:pPr eaLnBrk="1" hangingPunct="1"/>
             <a:r>
               <a:rPr lang="zh-CN" altLang="en-US" smtClean="0">
                 <a:sym typeface="宋体" panose="02010600030101010101" pitchFamily="2" charset="-122"/>
@@ -636,12 +644,14 @@
             </a:r>
           </a:p>
           <a:p>
+            <a:pPr eaLnBrk="1" hangingPunct="1"/>
             <a:r>
               <a:rPr lang="en-US" altLang="zh-CN" smtClean="0"/>
               <a:t>Reflective Position Module:  to perceive the syntactic structure of sentences.</a:t>
             </a:r>
           </a:p>
           <a:p>
+            <a:pPr eaLnBrk="1" hangingPunct="1"/>
             <a:r>
               <a:rPr lang="en-US" altLang="zh-CN" smtClean="0"/>
               <a:t>utilize the annotated object and attribute data from the VGto pretrain the object-level encoder</a:t>
@@ -655,7 +665,7 @@
     </p:spTree>
     <p:extLst>
       <p:ext uri="{BB962C8B-B14F-4D97-AF65-F5344CB8AC3E}">
-        <p14:creationId xmlns:p14="http://schemas.microsoft.com/office/powerpoint/2010/main" val="2687794632"/>
+        <p14:creationId xmlns:p14="http://schemas.microsoft.com/office/powerpoint/2010/main" val="4155210994"/>
       </p:ext>
     </p:extLst>
   </p:cSld>
@@ -684,9 +694,9 @@
       </p:grpSpPr>
       <p:sp>
         <p:nvSpPr>
-          <p:cNvPr id="56321" name="幻灯片图像占位符 1"/>
-          <p:cNvSpPr>
-            <a:spLocks noGrp="1" noRot="1" noChangeArrowheads="1"/>
+          <p:cNvPr id="56322" name="幻灯片图像占位符 1"/>
+          <p:cNvSpPr>
+            <a:spLocks noGrp="1" noRot="1" noChangeArrowheads="1" noTextEdit="1"/>
           </p:cNvSpPr>
           <p:nvPr>
             <p:ph type="sldImg" idx="4294967295"/>
@@ -700,7 +710,7 @@
       </p:sp>
       <p:sp>
         <p:nvSpPr>
-          <p:cNvPr id="56322" name="文本占位符 2"/>
+          <p:cNvPr id="56323" name="文本占位符 2"/>
           <p:cNvSpPr>
             <a:spLocks noGrp="1" noChangeArrowheads="1"/>
           </p:cNvSpPr>
@@ -713,6 +723,7 @@
           <a:bodyPr/>
           <a:lstStyle/>
           <a:p>
+            <a:pPr eaLnBrk="1" hangingPunct="1"/>
             <a:endParaRPr lang="zh-CN" altLang="en-US" smtClean="0"/>
           </a:p>
         </p:txBody>
@@ -720,7 +731,7 @@
     </p:spTree>
     <p:extLst>
       <p:ext uri="{BB962C8B-B14F-4D97-AF65-F5344CB8AC3E}">
-        <p14:creationId xmlns:p14="http://schemas.microsoft.com/office/powerpoint/2010/main" val="1384995438"/>
+        <p14:creationId xmlns:p14="http://schemas.microsoft.com/office/powerpoint/2010/main" val="3324134598"/>
       </p:ext>
     </p:extLst>
   </p:cSld>
@@ -749,9 +760,9 @@
       </p:grpSpPr>
       <p:sp>
         <p:nvSpPr>
-          <p:cNvPr id="58369" name="幻灯片图像占位符 1"/>
-          <p:cNvSpPr>
-            <a:spLocks noGrp="1" noRot="1" noChangeArrowheads="1"/>
+          <p:cNvPr id="58370" name="幻灯片图像占位符 1"/>
+          <p:cNvSpPr>
+            <a:spLocks noGrp="1" noRot="1" noChangeArrowheads="1" noTextEdit="1"/>
           </p:cNvSpPr>
           <p:nvPr>
             <p:ph type="sldImg" idx="4294967295"/>
@@ -765,7 +776,7 @@
       </p:sp>
       <p:sp>
         <p:nvSpPr>
-          <p:cNvPr id="58370" name="文本占位符 2"/>
+          <p:cNvPr id="58371" name="文本占位符 2"/>
           <p:cNvSpPr>
             <a:spLocks noGrp="1" noChangeArrowheads="1"/>
           </p:cNvSpPr>
@@ -778,6 +789,7 @@
           <a:bodyPr/>
           <a:lstStyle/>
           <a:p>
+            <a:pPr eaLnBrk="1" hangingPunct="1"/>
             <a:endParaRPr lang="zh-CN" altLang="en-US" smtClean="0"/>
           </a:p>
         </p:txBody>
@@ -785,7 +797,7 @@
     </p:spTree>
     <p:extLst>
       <p:ext uri="{BB962C8B-B14F-4D97-AF65-F5344CB8AC3E}">
-        <p14:creationId xmlns:p14="http://schemas.microsoft.com/office/powerpoint/2010/main" val="3088822821"/>
+        <p14:creationId xmlns:p14="http://schemas.microsoft.com/office/powerpoint/2010/main" val="3030604733"/>
       </p:ext>
     </p:extLst>
   </p:cSld>
@@ -926,7 +938,7 @@
           <a:p>
             <a:fld id="{C0E86A69-A24F-487B-9DA3-F649B24E6A85}" type="datetimeFigureOut">
               <a:rPr lang="zh-CN" altLang="en-US" smtClean="0"/>
-              <a:t>2020/3/29</a:t>
+              <a:t>2020/4/26</a:t>
             </a:fld>
             <a:endParaRPr lang="zh-CN" altLang="en-US"/>
           </a:p>
@@ -1096,7 +1108,7 @@
           <a:p>
             <a:fld id="{C0E86A69-A24F-487B-9DA3-F649B24E6A85}" type="datetimeFigureOut">
               <a:rPr lang="zh-CN" altLang="en-US" smtClean="0"/>
-              <a:t>2020/3/29</a:t>
+              <a:t>2020/4/26</a:t>
             </a:fld>
             <a:endParaRPr lang="zh-CN" altLang="en-US"/>
           </a:p>
@@ -1276,7 +1288,7 @@
           <a:p>
             <a:fld id="{C0E86A69-A24F-487B-9DA3-F649B24E6A85}" type="datetimeFigureOut">
               <a:rPr lang="zh-CN" altLang="en-US" smtClean="0"/>
-              <a:t>2020/3/29</a:t>
+              <a:t>2020/4/26</a:t>
             </a:fld>
             <a:endParaRPr lang="zh-CN" altLang="en-US"/>
           </a:p>
@@ -1446,7 +1458,7 @@
           <a:p>
             <a:fld id="{C0E86A69-A24F-487B-9DA3-F649B24E6A85}" type="datetimeFigureOut">
               <a:rPr lang="zh-CN" altLang="en-US" smtClean="0"/>
-              <a:t>2020/3/29</a:t>
+              <a:t>2020/4/26</a:t>
             </a:fld>
             <a:endParaRPr lang="zh-CN" altLang="en-US"/>
           </a:p>
@@ -1692,7 +1704,7 @@
           <a:p>
             <a:fld id="{C0E86A69-A24F-487B-9DA3-F649B24E6A85}" type="datetimeFigureOut">
               <a:rPr lang="zh-CN" altLang="en-US" smtClean="0"/>
-              <a:t>2020/3/29</a:t>
+              <a:t>2020/4/26</a:t>
             </a:fld>
             <a:endParaRPr lang="zh-CN" altLang="en-US"/>
           </a:p>
@@ -1924,7 +1936,7 @@
           <a:p>
             <a:fld id="{C0E86A69-A24F-487B-9DA3-F649B24E6A85}" type="datetimeFigureOut">
               <a:rPr lang="zh-CN" altLang="en-US" smtClean="0"/>
-              <a:t>2020/3/29</a:t>
+              <a:t>2020/4/26</a:t>
             </a:fld>
             <a:endParaRPr lang="zh-CN" altLang="en-US"/>
           </a:p>
@@ -2291,7 +2303,7 @@
           <a:p>
             <a:fld id="{C0E86A69-A24F-487B-9DA3-F649B24E6A85}" type="datetimeFigureOut">
               <a:rPr lang="zh-CN" altLang="en-US" smtClean="0"/>
-              <a:t>2020/3/29</a:t>
+              <a:t>2020/4/26</a:t>
             </a:fld>
             <a:endParaRPr lang="zh-CN" altLang="en-US"/>
           </a:p>
@@ -2409,7 +2421,7 @@
           <a:p>
             <a:fld id="{C0E86A69-A24F-487B-9DA3-F649B24E6A85}" type="datetimeFigureOut">
               <a:rPr lang="zh-CN" altLang="en-US" smtClean="0"/>
-              <a:t>2020/3/29</a:t>
+              <a:t>2020/4/26</a:t>
             </a:fld>
             <a:endParaRPr lang="zh-CN" altLang="en-US"/>
           </a:p>
@@ -2504,7 +2516,7 @@
           <a:p>
             <a:fld id="{C0E86A69-A24F-487B-9DA3-F649B24E6A85}" type="datetimeFigureOut">
               <a:rPr lang="zh-CN" altLang="en-US" smtClean="0"/>
-              <a:t>2020/3/29</a:t>
+              <a:t>2020/4/26</a:t>
             </a:fld>
             <a:endParaRPr lang="zh-CN" altLang="en-US"/>
           </a:p>
@@ -2781,7 +2793,7 @@
           <a:p>
             <a:fld id="{C0E86A69-A24F-487B-9DA3-F649B24E6A85}" type="datetimeFigureOut">
               <a:rPr lang="zh-CN" altLang="en-US" smtClean="0"/>
-              <a:t>2020/3/29</a:t>
+              <a:t>2020/4/26</a:t>
             </a:fld>
             <a:endParaRPr lang="zh-CN" altLang="en-US"/>
           </a:p>
@@ -3034,7 +3046,7 @@
           <a:p>
             <a:fld id="{C0E86A69-A24F-487B-9DA3-F649B24E6A85}" type="datetimeFigureOut">
               <a:rPr lang="zh-CN" altLang="en-US" smtClean="0"/>
-              <a:t>2020/3/29</a:t>
+              <a:t>2020/4/26</a:t>
             </a:fld>
             <a:endParaRPr lang="zh-CN" altLang="en-US"/>
           </a:p>
@@ -3247,7 +3259,7 @@
           <a:p>
             <a:fld id="{C0E86A69-A24F-487B-9DA3-F649B24E6A85}" type="datetimeFigureOut">
               <a:rPr lang="zh-CN" altLang="en-US" smtClean="0"/>
-              <a:t>2020/3/29</a:t>
+              <a:t>2020/4/26</a:t>
             </a:fld>
             <a:endParaRPr lang="zh-CN" altLang="en-US"/>
           </a:p>
@@ -3654,7 +3666,7 @@
       </p:grpSpPr>
       <p:sp>
         <p:nvSpPr>
-          <p:cNvPr id="50177" name="标题 3073"/>
+          <p:cNvPr id="50178" name="标题 3073"/>
           <p:cNvSpPr>
             <a:spLocks noGrp="1" noChangeArrowheads="1"/>
           </p:cNvSpPr>
@@ -3672,8 +3684,9 @@
           <a:bodyPr anchor="ctr"/>
           <a:lstStyle/>
           <a:p>
-            <a:r>
-              <a:rPr lang="zh-CN" altLang="zh-CN" sz="4400" dirty="0"/>
+            <a:pPr eaLnBrk="1" hangingPunct="1"/>
+            <a:r>
+              <a:rPr lang="zh-CN" altLang="zh-CN" sz="4400" b="1" dirty="0"/>
               <a:t>Reflective Decoding Network for Image Captioning</a:t>
             </a:r>
           </a:p>
@@ -3681,7 +3694,7 @@
       </p:sp>
       <p:sp>
         <p:nvSpPr>
-          <p:cNvPr id="50178" name="副标题 3074"/>
+          <p:cNvPr id="50179" name="副标题 3074"/>
           <p:cNvSpPr>
             <a:spLocks noGrp="1" noChangeArrowheads="1"/>
           </p:cNvSpPr>
@@ -3699,6 +3712,7 @@
           <a:bodyPr/>
           <a:lstStyle/>
           <a:p>
+            <a:pPr eaLnBrk="1" hangingPunct="1"/>
             <a:r>
               <a:rPr lang="zh-CN" altLang="zh-CN" sz="3200"/>
               <a:t>Lei Ke </a:t>
@@ -3713,7 +3727,7 @@
     </p:spTree>
     <p:extLst>
       <p:ext uri="{BB962C8B-B14F-4D97-AF65-F5344CB8AC3E}">
-        <p14:creationId xmlns:p14="http://schemas.microsoft.com/office/powerpoint/2010/main" val="1502138429"/>
+        <p14:creationId xmlns:p14="http://schemas.microsoft.com/office/powerpoint/2010/main" val="1693816735"/>
       </p:ext>
     </p:extLst>
   </p:cSld>
@@ -3742,7 +3756,7 @@
       </p:grpSpPr>
       <p:sp>
         <p:nvSpPr>
-          <p:cNvPr id="51201" name="标题 1"/>
+          <p:cNvPr id="51202" name="标题 1"/>
           <p:cNvSpPr>
             <a:spLocks noGrp="1" noChangeArrowheads="1"/>
           </p:cNvSpPr>
@@ -3755,11 +3769,12 @@
           <a:bodyPr/>
           <a:lstStyle/>
           <a:p>
-            <a:r>
-              <a:rPr lang="en-US" altLang="zh-CN" smtClean="0"/>
+            <a:pPr algn="ctr" eaLnBrk="1" hangingPunct="1"/>
+            <a:r>
+              <a:rPr lang="en-US" altLang="zh-CN" b="1" dirty="0" smtClean="0"/>
               <a:t>Problems</a:t>
             </a:r>
-            <a:endParaRPr lang="zh-CN" altLang="en-US" smtClean="0"/>
+            <a:endParaRPr lang="zh-CN" altLang="en-US" b="1" dirty="0" smtClean="0"/>
           </a:p>
         </p:txBody>
       </p:sp>
@@ -3778,6 +3793,9 @@
           <a:bodyPr/>
           <a:lstStyle/>
           <a:p>
+            <a:pPr eaLnBrk="1" hangingPunct="1">
+              <a:defRPr/>
+            </a:pPr>
             <a:r>
               <a:rPr lang="zh-CN" altLang="en-US" noProof="1"/>
               <a:t>long-term dependency </a:t>
@@ -3790,6 +3808,7 @@
           <a:p>
             <a:pPr marL="0" indent="0">
               <a:buNone/>
+              <a:defRPr/>
             </a:pPr>
             <a:endParaRPr lang="en-US" altLang="zh-CN" noProof="1"/>
           </a:p>
@@ -3797,7 +3816,7 @@
       </p:sp>
       <p:pic>
         <p:nvPicPr>
-          <p:cNvPr id="51203" name="图片 3"/>
+          <p:cNvPr id="51204" name="图片 3"/>
           <p:cNvPicPr>
             <a:picLocks noChangeAspect="1" noChangeArrowheads="1"/>
           </p:cNvPicPr>
@@ -3852,7 +3871,7 @@
     </p:spTree>
     <p:extLst>
       <p:ext uri="{BB962C8B-B14F-4D97-AF65-F5344CB8AC3E}">
-        <p14:creationId xmlns:p14="http://schemas.microsoft.com/office/powerpoint/2010/main" val="2765682410"/>
+        <p14:creationId xmlns:p14="http://schemas.microsoft.com/office/powerpoint/2010/main" val="2475964158"/>
       </p:ext>
     </p:extLst>
   </p:cSld>
@@ -3881,7 +3900,7 @@
       </p:grpSpPr>
       <p:sp>
         <p:nvSpPr>
-          <p:cNvPr id="53249" name="标题 1"/>
+          <p:cNvPr id="53250" name="标题 1"/>
           <p:cNvSpPr>
             <a:spLocks noGrp="1" noChangeArrowheads="1"/>
           </p:cNvSpPr>
@@ -3899,8 +3918,9 @@
           <a:bodyPr/>
           <a:lstStyle/>
           <a:p>
-            <a:r>
-              <a:rPr lang="zh-CN" altLang="en-US" smtClean="0"/>
+            <a:pPr algn="ctr" eaLnBrk="1" hangingPunct="1"/>
+            <a:r>
+              <a:rPr lang="zh-CN" altLang="en-US" b="1" dirty="0" smtClean="0"/>
               <a:t>Reflective Decoding Network</a:t>
             </a:r>
           </a:p>
@@ -3908,7 +3928,7 @@
       </p:sp>
       <p:pic>
         <p:nvPicPr>
-          <p:cNvPr id="53250" name="内容占位符 3"/>
+          <p:cNvPr id="53251" name="内容占位符 3"/>
           <p:cNvPicPr>
             <a:picLocks noGrp="1" noChangeAspect="1" noChangeArrowheads="1"/>
           </p:cNvPicPr>
@@ -3939,7 +3959,7 @@
     </p:spTree>
     <p:extLst>
       <p:ext uri="{BB962C8B-B14F-4D97-AF65-F5344CB8AC3E}">
-        <p14:creationId xmlns:p14="http://schemas.microsoft.com/office/powerpoint/2010/main" val="3460660327"/>
+        <p14:creationId xmlns:p14="http://schemas.microsoft.com/office/powerpoint/2010/main" val="2618034710"/>
       </p:ext>
     </p:extLst>
   </p:cSld>
@@ -3968,7 +3988,7 @@
       </p:grpSpPr>
       <p:sp>
         <p:nvSpPr>
-          <p:cNvPr id="55297" name="标题 1"/>
+          <p:cNvPr id="55298" name="标题 1"/>
           <p:cNvSpPr>
             <a:spLocks noGrp="1" noChangeArrowheads="1"/>
           </p:cNvSpPr>
@@ -3981,8 +4001,9 @@
           <a:bodyPr/>
           <a:lstStyle/>
           <a:p>
-            <a:r>
-              <a:rPr lang="zh-CN" altLang="en-US" smtClean="0"/>
+            <a:pPr algn="ctr" eaLnBrk="1" hangingPunct="1"/>
+            <a:r>
+              <a:rPr lang="zh-CN" altLang="en-US" b="1" dirty="0" smtClean="0"/>
               <a:t>Attention-based Recurrent Module</a:t>
             </a:r>
           </a:p>
@@ -3990,7 +4011,7 @@
       </p:sp>
       <p:pic>
         <p:nvPicPr>
-          <p:cNvPr id="55298" name="图片 4"/>
+          <p:cNvPr id="55299" name="图片 4"/>
           <p:cNvPicPr>
             <a:picLocks noChangeAspect="1" noChangeArrowheads="1"/>
           </p:cNvPicPr>
@@ -4044,7 +4065,7 @@
       </p:pic>
       <p:pic>
         <p:nvPicPr>
-          <p:cNvPr id="55299" name="图片 5"/>
+          <p:cNvPr id="55300" name="图片 5"/>
           <p:cNvPicPr>
             <a:picLocks noChangeAspect="1" noChangeArrowheads="1"/>
           </p:cNvPicPr>
@@ -4098,7 +4119,7 @@
       </p:pic>
       <p:pic>
         <p:nvPicPr>
-          <p:cNvPr id="55300" name="图片 6"/>
+          <p:cNvPr id="55301" name="图片 6"/>
           <p:cNvPicPr>
             <a:picLocks noChangeAspect="1" noChangeArrowheads="1"/>
           </p:cNvPicPr>
@@ -4152,7 +4173,7 @@
       </p:pic>
       <p:pic>
         <p:nvPicPr>
-          <p:cNvPr id="55301" name="内容占位符 9"/>
+          <p:cNvPr id="55302" name="内容占位符 9"/>
           <p:cNvPicPr>
             <a:picLocks noGrp="1" noChangeAspect="1" noChangeArrowheads="1"/>
           </p:cNvPicPr>
@@ -4182,7 +4203,7 @@
       </p:pic>
       <p:sp>
         <p:nvSpPr>
-          <p:cNvPr id="55302" name="文本框 10"/>
+          <p:cNvPr id="55303" name="文本框 10"/>
           <p:cNvSpPr txBox="1">
             <a:spLocks noChangeArrowheads="1"/>
           </p:cNvSpPr>
@@ -4191,7 +4212,7 @@
         <p:spPr bwMode="auto">
           <a:xfrm>
             <a:off x="1644651" y="4464050"/>
-            <a:ext cx="1622425" cy="400050"/>
+            <a:ext cx="1707519" cy="400110"/>
           </a:xfrm>
           <a:prstGeom prst="rect">
             <a:avLst/>
@@ -4224,8 +4245,115 @@
           <a:bodyPr wrap="none">
             <a:spAutoFit/>
           </a:bodyPr>
-          <a:lstStyle/>
-          <a:p>
+          <a:lstStyle>
+            <a:lvl1pPr>
+              <a:defRPr>
+                <a:solidFill>
+                  <a:schemeClr val="tx1"/>
+                </a:solidFill>
+                <a:latin typeface="Arial" panose="020B0604020202020204" pitchFamily="34" charset="0"/>
+                <a:ea typeface="宋体" panose="02010600030101010101" pitchFamily="2" charset="-122"/>
+              </a:defRPr>
+            </a:lvl1pPr>
+            <a:lvl2pPr marL="742950" indent="-285750">
+              <a:defRPr>
+                <a:solidFill>
+                  <a:schemeClr val="tx1"/>
+                </a:solidFill>
+                <a:latin typeface="Arial" panose="020B0604020202020204" pitchFamily="34" charset="0"/>
+                <a:ea typeface="宋体" panose="02010600030101010101" pitchFamily="2" charset="-122"/>
+              </a:defRPr>
+            </a:lvl2pPr>
+            <a:lvl3pPr marL="1143000" indent="-228600">
+              <a:defRPr>
+                <a:solidFill>
+                  <a:schemeClr val="tx1"/>
+                </a:solidFill>
+                <a:latin typeface="Arial" panose="020B0604020202020204" pitchFamily="34" charset="0"/>
+                <a:ea typeface="宋体" panose="02010600030101010101" pitchFamily="2" charset="-122"/>
+              </a:defRPr>
+            </a:lvl3pPr>
+            <a:lvl4pPr marL="1600200" indent="-228600">
+              <a:defRPr>
+                <a:solidFill>
+                  <a:schemeClr val="tx1"/>
+                </a:solidFill>
+                <a:latin typeface="Arial" panose="020B0604020202020204" pitchFamily="34" charset="0"/>
+                <a:ea typeface="宋体" panose="02010600030101010101" pitchFamily="2" charset="-122"/>
+              </a:defRPr>
+            </a:lvl4pPr>
+            <a:lvl5pPr marL="2057400" indent="-228600">
+              <a:defRPr>
+                <a:solidFill>
+                  <a:schemeClr val="tx1"/>
+                </a:solidFill>
+                <a:latin typeface="Arial" panose="020B0604020202020204" pitchFamily="34" charset="0"/>
+                <a:ea typeface="宋体" panose="02010600030101010101" pitchFamily="2" charset="-122"/>
+              </a:defRPr>
+            </a:lvl5pPr>
+            <a:lvl6pPr marL="2514600" indent="-228600" eaLnBrk="0" fontAlgn="base" hangingPunct="0">
+              <a:spcBef>
+                <a:spcPct val="0"/>
+              </a:spcBef>
+              <a:spcAft>
+                <a:spcPct val="0"/>
+              </a:spcAft>
+              <a:defRPr>
+                <a:solidFill>
+                  <a:schemeClr val="tx1"/>
+                </a:solidFill>
+                <a:latin typeface="Arial" panose="020B0604020202020204" pitchFamily="34" charset="0"/>
+                <a:ea typeface="宋体" panose="02010600030101010101" pitchFamily="2" charset="-122"/>
+              </a:defRPr>
+            </a:lvl6pPr>
+            <a:lvl7pPr marL="2971800" indent="-228600" eaLnBrk="0" fontAlgn="base" hangingPunct="0">
+              <a:spcBef>
+                <a:spcPct val="0"/>
+              </a:spcBef>
+              <a:spcAft>
+                <a:spcPct val="0"/>
+              </a:spcAft>
+              <a:defRPr>
+                <a:solidFill>
+                  <a:schemeClr val="tx1"/>
+                </a:solidFill>
+                <a:latin typeface="Arial" panose="020B0604020202020204" pitchFamily="34" charset="0"/>
+                <a:ea typeface="宋体" panose="02010600030101010101" pitchFamily="2" charset="-122"/>
+              </a:defRPr>
+            </a:lvl7pPr>
+            <a:lvl8pPr marL="3429000" indent="-228600" eaLnBrk="0" fontAlgn="base" hangingPunct="0">
+              <a:spcBef>
+                <a:spcPct val="0"/>
+              </a:spcBef>
+              <a:spcAft>
+                <a:spcPct val="0"/>
+              </a:spcAft>
+              <a:defRPr>
+                <a:solidFill>
+                  <a:schemeClr val="tx1"/>
+                </a:solidFill>
+                <a:latin typeface="Arial" panose="020B0604020202020204" pitchFamily="34" charset="0"/>
+                <a:ea typeface="宋体" panose="02010600030101010101" pitchFamily="2" charset="-122"/>
+              </a:defRPr>
+            </a:lvl8pPr>
+            <a:lvl9pPr marL="3886200" indent="-228600" eaLnBrk="0" fontAlgn="base" hangingPunct="0">
+              <a:spcBef>
+                <a:spcPct val="0"/>
+              </a:spcBef>
+              <a:spcAft>
+                <a:spcPct val="0"/>
+              </a:spcAft>
+              <a:defRPr>
+                <a:solidFill>
+                  <a:schemeClr val="tx1"/>
+                </a:solidFill>
+                <a:latin typeface="Arial" panose="020B0604020202020204" pitchFamily="34" charset="0"/>
+                <a:ea typeface="宋体" panose="02010600030101010101" pitchFamily="2" charset="-122"/>
+              </a:defRPr>
+            </a:lvl9pPr>
+          </a:lstStyle>
+          <a:p>
+            <a:pPr eaLnBrk="1" hangingPunct="1"/>
             <a:r>
               <a:rPr lang="en-US" altLang="zh-CN" sz="2000" b="1"/>
               <a:t>LSTM layer: </a:t>
@@ -4235,7 +4363,7 @@
       </p:sp>
       <p:sp>
         <p:nvSpPr>
-          <p:cNvPr id="55303" name="文本框 11"/>
+          <p:cNvPr id="55304" name="文本框 11"/>
           <p:cNvSpPr txBox="1">
             <a:spLocks noChangeArrowheads="1"/>
           </p:cNvSpPr>
@@ -4243,8 +4371,8 @@
         </p:nvSpPr>
         <p:spPr bwMode="auto">
           <a:xfrm>
-            <a:off x="1698625" y="5087938"/>
-            <a:ext cx="1512888" cy="398462"/>
+            <a:off x="1698626" y="5087938"/>
+            <a:ext cx="1601721" cy="400110"/>
           </a:xfrm>
           <a:prstGeom prst="rect">
             <a:avLst/>
@@ -4277,8 +4405,115 @@
           <a:bodyPr wrap="none">
             <a:spAutoFit/>
           </a:bodyPr>
-          <a:lstStyle/>
-          <a:p>
+          <a:lstStyle>
+            <a:lvl1pPr>
+              <a:defRPr>
+                <a:solidFill>
+                  <a:schemeClr val="tx1"/>
+                </a:solidFill>
+                <a:latin typeface="Arial" panose="020B0604020202020204" pitchFamily="34" charset="0"/>
+                <a:ea typeface="宋体" panose="02010600030101010101" pitchFamily="2" charset="-122"/>
+              </a:defRPr>
+            </a:lvl1pPr>
+            <a:lvl2pPr marL="742950" indent="-285750">
+              <a:defRPr>
+                <a:solidFill>
+                  <a:schemeClr val="tx1"/>
+                </a:solidFill>
+                <a:latin typeface="Arial" panose="020B0604020202020204" pitchFamily="34" charset="0"/>
+                <a:ea typeface="宋体" panose="02010600030101010101" pitchFamily="2" charset="-122"/>
+              </a:defRPr>
+            </a:lvl2pPr>
+            <a:lvl3pPr marL="1143000" indent="-228600">
+              <a:defRPr>
+                <a:solidFill>
+                  <a:schemeClr val="tx1"/>
+                </a:solidFill>
+                <a:latin typeface="Arial" panose="020B0604020202020204" pitchFamily="34" charset="0"/>
+                <a:ea typeface="宋体" panose="02010600030101010101" pitchFamily="2" charset="-122"/>
+              </a:defRPr>
+            </a:lvl3pPr>
+            <a:lvl4pPr marL="1600200" indent="-228600">
+              <a:defRPr>
+                <a:solidFill>
+                  <a:schemeClr val="tx1"/>
+                </a:solidFill>
+                <a:latin typeface="Arial" panose="020B0604020202020204" pitchFamily="34" charset="0"/>
+                <a:ea typeface="宋体" panose="02010600030101010101" pitchFamily="2" charset="-122"/>
+              </a:defRPr>
+            </a:lvl4pPr>
+            <a:lvl5pPr marL="2057400" indent="-228600">
+              <a:defRPr>
+                <a:solidFill>
+                  <a:schemeClr val="tx1"/>
+                </a:solidFill>
+                <a:latin typeface="Arial" panose="020B0604020202020204" pitchFamily="34" charset="0"/>
+                <a:ea typeface="宋体" panose="02010600030101010101" pitchFamily="2" charset="-122"/>
+              </a:defRPr>
+            </a:lvl5pPr>
+            <a:lvl6pPr marL="2514600" indent="-228600" eaLnBrk="0" fontAlgn="base" hangingPunct="0">
+              <a:spcBef>
+                <a:spcPct val="0"/>
+              </a:spcBef>
+              <a:spcAft>
+                <a:spcPct val="0"/>
+              </a:spcAft>
+              <a:defRPr>
+                <a:solidFill>
+                  <a:schemeClr val="tx1"/>
+                </a:solidFill>
+                <a:latin typeface="Arial" panose="020B0604020202020204" pitchFamily="34" charset="0"/>
+                <a:ea typeface="宋体" panose="02010600030101010101" pitchFamily="2" charset="-122"/>
+              </a:defRPr>
+            </a:lvl6pPr>
+            <a:lvl7pPr marL="2971800" indent="-228600" eaLnBrk="0" fontAlgn="base" hangingPunct="0">
+              <a:spcBef>
+                <a:spcPct val="0"/>
+              </a:spcBef>
+              <a:spcAft>
+                <a:spcPct val="0"/>
+              </a:spcAft>
+              <a:defRPr>
+                <a:solidFill>
+                  <a:schemeClr val="tx1"/>
+                </a:solidFill>
+                <a:latin typeface="Arial" panose="020B0604020202020204" pitchFamily="34" charset="0"/>
+                <a:ea typeface="宋体" panose="02010600030101010101" pitchFamily="2" charset="-122"/>
+              </a:defRPr>
+            </a:lvl7pPr>
+            <a:lvl8pPr marL="3429000" indent="-228600" eaLnBrk="0" fontAlgn="base" hangingPunct="0">
+              <a:spcBef>
+                <a:spcPct val="0"/>
+              </a:spcBef>
+              <a:spcAft>
+                <a:spcPct val="0"/>
+              </a:spcAft>
+              <a:defRPr>
+                <a:solidFill>
+                  <a:schemeClr val="tx1"/>
+                </a:solidFill>
+                <a:latin typeface="Arial" panose="020B0604020202020204" pitchFamily="34" charset="0"/>
+                <a:ea typeface="宋体" panose="02010600030101010101" pitchFamily="2" charset="-122"/>
+              </a:defRPr>
+            </a:lvl8pPr>
+            <a:lvl9pPr marL="3886200" indent="-228600" eaLnBrk="0" fontAlgn="base" hangingPunct="0">
+              <a:spcBef>
+                <a:spcPct val="0"/>
+              </a:spcBef>
+              <a:spcAft>
+                <a:spcPct val="0"/>
+              </a:spcAft>
+              <a:defRPr>
+                <a:solidFill>
+                  <a:schemeClr val="tx1"/>
+                </a:solidFill>
+                <a:latin typeface="Arial" panose="020B0604020202020204" pitchFamily="34" charset="0"/>
+                <a:ea typeface="宋体" panose="02010600030101010101" pitchFamily="2" charset="-122"/>
+              </a:defRPr>
+            </a:lvl9pPr>
+          </a:lstStyle>
+          <a:p>
+            <a:pPr eaLnBrk="1" hangingPunct="1"/>
             <a:r>
               <a:rPr lang="en-US" altLang="zh-CN" sz="2000" b="1"/>
               <a:t>Att</a:t>
@@ -4297,7 +4532,7 @@
     </p:spTree>
     <p:extLst>
       <p:ext uri="{BB962C8B-B14F-4D97-AF65-F5344CB8AC3E}">
-        <p14:creationId xmlns:p14="http://schemas.microsoft.com/office/powerpoint/2010/main" val="1753632487"/>
+        <p14:creationId xmlns:p14="http://schemas.microsoft.com/office/powerpoint/2010/main" val="2035817133"/>
       </p:ext>
     </p:extLst>
   </p:cSld>
@@ -4326,7 +4561,7 @@
       </p:grpSpPr>
       <p:sp>
         <p:nvSpPr>
-          <p:cNvPr id="57345" name="标题 1"/>
+          <p:cNvPr id="57346" name="标题 1"/>
           <p:cNvSpPr>
             <a:spLocks noGrp="1" noChangeArrowheads="1"/>
           </p:cNvSpPr>
@@ -4339,8 +4574,9 @@
           <a:bodyPr/>
           <a:lstStyle/>
           <a:p>
-            <a:r>
-              <a:rPr lang="zh-CN" altLang="en-US" smtClean="0"/>
+            <a:pPr algn="ctr" eaLnBrk="1" hangingPunct="1"/>
+            <a:r>
+              <a:rPr lang="zh-CN" altLang="en-US" b="1" dirty="0" smtClean="0"/>
               <a:t> Reflective Attention Module</a:t>
             </a:r>
           </a:p>
@@ -4348,7 +4584,7 @@
       </p:sp>
       <p:pic>
         <p:nvPicPr>
-          <p:cNvPr id="57346" name="内容占位符 3"/>
+          <p:cNvPr id="57347" name="内容占位符 3"/>
           <p:cNvPicPr>
             <a:picLocks noGrp="1" noChangeAspect="1" noChangeArrowheads="1"/>
           </p:cNvPicPr>
@@ -4378,7 +4614,7 @@
       </p:pic>
       <p:pic>
         <p:nvPicPr>
-          <p:cNvPr id="57347" name="图片 4"/>
+          <p:cNvPr id="57348" name="图片 4"/>
           <p:cNvPicPr>
             <a:picLocks noChangeAspect="1" noChangeArrowheads="1"/>
           </p:cNvPicPr>
@@ -4432,7 +4668,7 @@
       </p:pic>
       <p:sp>
         <p:nvSpPr>
-          <p:cNvPr id="57348" name="文本框 10"/>
+          <p:cNvPr id="57349" name="文本框 10"/>
           <p:cNvSpPr txBox="1">
             <a:spLocks noChangeArrowheads="1"/>
           </p:cNvSpPr>
@@ -4441,7 +4677,7 @@
         <p:spPr bwMode="auto">
           <a:xfrm>
             <a:off x="1743075" y="3922713"/>
-            <a:ext cx="2579688" cy="398462"/>
+            <a:ext cx="2677336" cy="400110"/>
           </a:xfrm>
           <a:prstGeom prst="rect">
             <a:avLst/>
@@ -4474,8 +4710,115 @@
           <a:bodyPr wrap="none">
             <a:spAutoFit/>
           </a:bodyPr>
-          <a:lstStyle/>
-          <a:p>
+          <a:lstStyle>
+            <a:lvl1pPr>
+              <a:defRPr>
+                <a:solidFill>
+                  <a:schemeClr val="tx1"/>
+                </a:solidFill>
+                <a:latin typeface="Arial" panose="020B0604020202020204" pitchFamily="34" charset="0"/>
+                <a:ea typeface="宋体" panose="02010600030101010101" pitchFamily="2" charset="-122"/>
+              </a:defRPr>
+            </a:lvl1pPr>
+            <a:lvl2pPr marL="742950" indent="-285750">
+              <a:defRPr>
+                <a:solidFill>
+                  <a:schemeClr val="tx1"/>
+                </a:solidFill>
+                <a:latin typeface="Arial" panose="020B0604020202020204" pitchFamily="34" charset="0"/>
+                <a:ea typeface="宋体" panose="02010600030101010101" pitchFamily="2" charset="-122"/>
+              </a:defRPr>
+            </a:lvl2pPr>
+            <a:lvl3pPr marL="1143000" indent="-228600">
+              <a:defRPr>
+                <a:solidFill>
+                  <a:schemeClr val="tx1"/>
+                </a:solidFill>
+                <a:latin typeface="Arial" panose="020B0604020202020204" pitchFamily="34" charset="0"/>
+                <a:ea typeface="宋体" panose="02010600030101010101" pitchFamily="2" charset="-122"/>
+              </a:defRPr>
+            </a:lvl3pPr>
+            <a:lvl4pPr marL="1600200" indent="-228600">
+              <a:defRPr>
+                <a:solidFill>
+                  <a:schemeClr val="tx1"/>
+                </a:solidFill>
+                <a:latin typeface="Arial" panose="020B0604020202020204" pitchFamily="34" charset="0"/>
+                <a:ea typeface="宋体" panose="02010600030101010101" pitchFamily="2" charset="-122"/>
+              </a:defRPr>
+            </a:lvl4pPr>
+            <a:lvl5pPr marL="2057400" indent="-228600">
+              <a:defRPr>
+                <a:solidFill>
+                  <a:schemeClr val="tx1"/>
+                </a:solidFill>
+                <a:latin typeface="Arial" panose="020B0604020202020204" pitchFamily="34" charset="0"/>
+                <a:ea typeface="宋体" panose="02010600030101010101" pitchFamily="2" charset="-122"/>
+              </a:defRPr>
+            </a:lvl5pPr>
+            <a:lvl6pPr marL="2514600" indent="-228600" eaLnBrk="0" fontAlgn="base" hangingPunct="0">
+              <a:spcBef>
+                <a:spcPct val="0"/>
+              </a:spcBef>
+              <a:spcAft>
+                <a:spcPct val="0"/>
+              </a:spcAft>
+              <a:defRPr>
+                <a:solidFill>
+                  <a:schemeClr val="tx1"/>
+                </a:solidFill>
+                <a:latin typeface="Arial" panose="020B0604020202020204" pitchFamily="34" charset="0"/>
+                <a:ea typeface="宋体" panose="02010600030101010101" pitchFamily="2" charset="-122"/>
+              </a:defRPr>
+            </a:lvl6pPr>
+            <a:lvl7pPr marL="2971800" indent="-228600" eaLnBrk="0" fontAlgn="base" hangingPunct="0">
+              <a:spcBef>
+                <a:spcPct val="0"/>
+              </a:spcBef>
+              <a:spcAft>
+                <a:spcPct val="0"/>
+              </a:spcAft>
+              <a:defRPr>
+                <a:solidFill>
+                  <a:schemeClr val="tx1"/>
+                </a:solidFill>
+                <a:latin typeface="Arial" panose="020B0604020202020204" pitchFamily="34" charset="0"/>
+                <a:ea typeface="宋体" panose="02010600030101010101" pitchFamily="2" charset="-122"/>
+              </a:defRPr>
+            </a:lvl7pPr>
+            <a:lvl8pPr marL="3429000" indent="-228600" eaLnBrk="0" fontAlgn="base" hangingPunct="0">
+              <a:spcBef>
+                <a:spcPct val="0"/>
+              </a:spcBef>
+              <a:spcAft>
+                <a:spcPct val="0"/>
+              </a:spcAft>
+              <a:defRPr>
+                <a:solidFill>
+                  <a:schemeClr val="tx1"/>
+                </a:solidFill>
+                <a:latin typeface="Arial" panose="020B0604020202020204" pitchFamily="34" charset="0"/>
+                <a:ea typeface="宋体" panose="02010600030101010101" pitchFamily="2" charset="-122"/>
+              </a:defRPr>
+            </a:lvl8pPr>
+            <a:lvl9pPr marL="3886200" indent="-228600" eaLnBrk="0" fontAlgn="base" hangingPunct="0">
+              <a:spcBef>
+                <a:spcPct val="0"/>
+              </a:spcBef>
+              <a:spcAft>
+                <a:spcPct val="0"/>
+              </a:spcAft>
+              <a:defRPr>
+                <a:solidFill>
+                  <a:schemeClr val="tx1"/>
+                </a:solidFill>
+                <a:latin typeface="Arial" panose="020B0604020202020204" pitchFamily="34" charset="0"/>
+                <a:ea typeface="宋体" panose="02010600030101010101" pitchFamily="2" charset="-122"/>
+              </a:defRPr>
+            </a:lvl9pPr>
+          </a:lstStyle>
+          <a:p>
+            <a:pPr eaLnBrk="1" hangingPunct="1"/>
             <a:r>
               <a:rPr lang="en-US" altLang="zh-CN" sz="2000" b="1"/>
               <a:t>second LSTM layer: </a:t>
@@ -4485,7 +4828,7 @@
       </p:sp>
       <p:pic>
         <p:nvPicPr>
-          <p:cNvPr id="57349" name="图片 5"/>
+          <p:cNvPr id="57350" name="图片 5"/>
           <p:cNvPicPr>
             <a:picLocks noChangeAspect="1" noChangeArrowheads="1"/>
           </p:cNvPicPr>
@@ -4539,7 +4882,7 @@
       </p:pic>
       <p:sp>
         <p:nvSpPr>
-          <p:cNvPr id="57350" name="文本框 11"/>
+          <p:cNvPr id="57351" name="文本框 11"/>
           <p:cNvSpPr txBox="1">
             <a:spLocks noChangeArrowheads="1"/>
           </p:cNvSpPr>
@@ -4547,8 +4890,8 @@
         </p:nvSpPr>
         <p:spPr bwMode="auto">
           <a:xfrm>
-            <a:off x="2251076" y="4487863"/>
-            <a:ext cx="1592103" cy="400110"/>
+            <a:off x="2251075" y="4487863"/>
+            <a:ext cx="1654620" cy="400110"/>
           </a:xfrm>
           <a:prstGeom prst="rect">
             <a:avLst/>
@@ -4581,8 +4924,115 @@
           <a:bodyPr wrap="none">
             <a:spAutoFit/>
           </a:bodyPr>
-          <a:lstStyle/>
-          <a:p>
+          <a:lstStyle>
+            <a:lvl1pPr>
+              <a:defRPr>
+                <a:solidFill>
+                  <a:schemeClr val="tx1"/>
+                </a:solidFill>
+                <a:latin typeface="Arial" panose="020B0604020202020204" pitchFamily="34" charset="0"/>
+                <a:ea typeface="宋体" panose="02010600030101010101" pitchFamily="2" charset="-122"/>
+              </a:defRPr>
+            </a:lvl1pPr>
+            <a:lvl2pPr marL="742950" indent="-285750">
+              <a:defRPr>
+                <a:solidFill>
+                  <a:schemeClr val="tx1"/>
+                </a:solidFill>
+                <a:latin typeface="Arial" panose="020B0604020202020204" pitchFamily="34" charset="0"/>
+                <a:ea typeface="宋体" panose="02010600030101010101" pitchFamily="2" charset="-122"/>
+              </a:defRPr>
+            </a:lvl2pPr>
+            <a:lvl3pPr marL="1143000" indent="-228600">
+              <a:defRPr>
+                <a:solidFill>
+                  <a:schemeClr val="tx1"/>
+                </a:solidFill>
+                <a:latin typeface="Arial" panose="020B0604020202020204" pitchFamily="34" charset="0"/>
+                <a:ea typeface="宋体" panose="02010600030101010101" pitchFamily="2" charset="-122"/>
+              </a:defRPr>
+            </a:lvl3pPr>
+            <a:lvl4pPr marL="1600200" indent="-228600">
+              <a:defRPr>
+                <a:solidFill>
+                  <a:schemeClr val="tx1"/>
+                </a:solidFill>
+                <a:latin typeface="Arial" panose="020B0604020202020204" pitchFamily="34" charset="0"/>
+                <a:ea typeface="宋体" panose="02010600030101010101" pitchFamily="2" charset="-122"/>
+              </a:defRPr>
+            </a:lvl4pPr>
+            <a:lvl5pPr marL="2057400" indent="-228600">
+              <a:defRPr>
+                <a:solidFill>
+                  <a:schemeClr val="tx1"/>
+                </a:solidFill>
+                <a:latin typeface="Arial" panose="020B0604020202020204" pitchFamily="34" charset="0"/>
+                <a:ea typeface="宋体" panose="02010600030101010101" pitchFamily="2" charset="-122"/>
+              </a:defRPr>
+            </a:lvl5pPr>
+            <a:lvl6pPr marL="2514600" indent="-228600" eaLnBrk="0" fontAlgn="base" hangingPunct="0">
+              <a:spcBef>
+                <a:spcPct val="0"/>
+              </a:spcBef>
+              <a:spcAft>
+                <a:spcPct val="0"/>
+              </a:spcAft>
+              <a:defRPr>
+                <a:solidFill>
+                  <a:schemeClr val="tx1"/>
+                </a:solidFill>
+                <a:latin typeface="Arial" panose="020B0604020202020204" pitchFamily="34" charset="0"/>
+                <a:ea typeface="宋体" panose="02010600030101010101" pitchFamily="2" charset="-122"/>
+              </a:defRPr>
+            </a:lvl6pPr>
+            <a:lvl7pPr marL="2971800" indent="-228600" eaLnBrk="0" fontAlgn="base" hangingPunct="0">
+              <a:spcBef>
+                <a:spcPct val="0"/>
+              </a:spcBef>
+              <a:spcAft>
+                <a:spcPct val="0"/>
+              </a:spcAft>
+              <a:defRPr>
+                <a:solidFill>
+                  <a:schemeClr val="tx1"/>
+                </a:solidFill>
+                <a:latin typeface="Arial" panose="020B0604020202020204" pitchFamily="34" charset="0"/>
+                <a:ea typeface="宋体" panose="02010600030101010101" pitchFamily="2" charset="-122"/>
+              </a:defRPr>
+            </a:lvl7pPr>
+            <a:lvl8pPr marL="3429000" indent="-228600" eaLnBrk="0" fontAlgn="base" hangingPunct="0">
+              <a:spcBef>
+                <a:spcPct val="0"/>
+              </a:spcBef>
+              <a:spcAft>
+                <a:spcPct val="0"/>
+              </a:spcAft>
+              <a:defRPr>
+                <a:solidFill>
+                  <a:schemeClr val="tx1"/>
+                </a:solidFill>
+                <a:latin typeface="Arial" panose="020B0604020202020204" pitchFamily="34" charset="0"/>
+                <a:ea typeface="宋体" panose="02010600030101010101" pitchFamily="2" charset="-122"/>
+              </a:defRPr>
+            </a:lvl8pPr>
+            <a:lvl9pPr marL="3886200" indent="-228600" eaLnBrk="0" fontAlgn="base" hangingPunct="0">
+              <a:spcBef>
+                <a:spcPct val="0"/>
+              </a:spcBef>
+              <a:spcAft>
+                <a:spcPct val="0"/>
+              </a:spcAft>
+              <a:defRPr>
+                <a:solidFill>
+                  <a:schemeClr val="tx1"/>
+                </a:solidFill>
+                <a:latin typeface="Arial" panose="020B0604020202020204" pitchFamily="34" charset="0"/>
+                <a:ea typeface="宋体" panose="02010600030101010101" pitchFamily="2" charset="-122"/>
+              </a:defRPr>
+            </a:lvl9pPr>
+          </a:lstStyle>
+          <a:p>
+            <a:pPr eaLnBrk="1" hangingPunct="1"/>
             <a:r>
               <a:rPr lang="en-US" altLang="zh-CN" sz="2000" b="1"/>
               <a:t>Att</a:t>
@@ -4600,7 +5050,7 @@
       </p:sp>
       <p:pic>
         <p:nvPicPr>
-          <p:cNvPr id="57351" name="图片 6"/>
+          <p:cNvPr id="57352" name="图片 6"/>
           <p:cNvPicPr>
             <a:picLocks noChangeAspect="1" noChangeArrowheads="1"/>
           </p:cNvPicPr>
@@ -4654,7 +5104,7 @@
       </p:pic>
       <p:pic>
         <p:nvPicPr>
-          <p:cNvPr id="57352" name="图片 8"/>
+          <p:cNvPr id="57353" name="图片 8"/>
           <p:cNvPicPr>
             <a:picLocks noChangeAspect="1" noChangeArrowheads="1"/>
           </p:cNvPicPr>
@@ -4708,7 +5158,7 @@
       </p:pic>
       <p:pic>
         <p:nvPicPr>
-          <p:cNvPr id="57353" name="图片 9"/>
+          <p:cNvPr id="57354" name="图片 9"/>
           <p:cNvPicPr>
             <a:picLocks noChangeAspect="1" noChangeArrowheads="1"/>
           </p:cNvPicPr>
@@ -4763,7 +5213,7 @@
     </p:spTree>
     <p:extLst>
       <p:ext uri="{BB962C8B-B14F-4D97-AF65-F5344CB8AC3E}">
-        <p14:creationId xmlns:p14="http://schemas.microsoft.com/office/powerpoint/2010/main" val="2548762812"/>
+        <p14:creationId xmlns:p14="http://schemas.microsoft.com/office/powerpoint/2010/main" val="1243149669"/>
       </p:ext>
     </p:extLst>
   </p:cSld>
@@ -4792,7 +5242,7 @@
       </p:grpSpPr>
       <p:sp>
         <p:nvSpPr>
-          <p:cNvPr id="59393" name="标题 1"/>
+          <p:cNvPr id="59394" name="标题 1"/>
           <p:cNvSpPr>
             <a:spLocks noGrp="1" noChangeArrowheads="1"/>
           </p:cNvSpPr>
@@ -4805,8 +5255,9 @@
           <a:bodyPr/>
           <a:lstStyle/>
           <a:p>
-            <a:r>
-              <a:rPr lang="zh-CN" altLang="en-US" smtClean="0"/>
+            <a:pPr algn="ctr" eaLnBrk="1" hangingPunct="1"/>
+            <a:r>
+              <a:rPr lang="zh-CN" altLang="en-US" b="1" dirty="0" smtClean="0"/>
               <a:t> Reflective Position Module</a:t>
             </a:r>
           </a:p>
@@ -4814,7 +5265,7 @@
       </p:sp>
       <p:pic>
         <p:nvPicPr>
-          <p:cNvPr id="59394" name="内容占位符 3"/>
+          <p:cNvPr id="59395" name="内容占位符 3"/>
           <p:cNvPicPr>
             <a:picLocks noGrp="1" noChangeAspect="1" noChangeArrowheads="1"/>
           </p:cNvPicPr>
@@ -4844,7 +5295,7 @@
       </p:pic>
       <p:sp>
         <p:nvSpPr>
-          <p:cNvPr id="59395" name="文本框 4"/>
+          <p:cNvPr id="59396" name="文本框 4"/>
           <p:cNvSpPr txBox="1">
             <a:spLocks noChangeArrowheads="1"/>
           </p:cNvSpPr>
@@ -4886,8 +5337,115 @@
           <a:bodyPr>
             <a:spAutoFit/>
           </a:bodyPr>
-          <a:lstStyle/>
-          <a:p>
+          <a:lstStyle>
+            <a:lvl1pPr>
+              <a:defRPr>
+                <a:solidFill>
+                  <a:schemeClr val="tx1"/>
+                </a:solidFill>
+                <a:latin typeface="Arial" panose="020B0604020202020204" pitchFamily="34" charset="0"/>
+                <a:ea typeface="宋体" panose="02010600030101010101" pitchFamily="2" charset="-122"/>
+              </a:defRPr>
+            </a:lvl1pPr>
+            <a:lvl2pPr marL="742950" indent="-285750">
+              <a:defRPr>
+                <a:solidFill>
+                  <a:schemeClr val="tx1"/>
+                </a:solidFill>
+                <a:latin typeface="Arial" panose="020B0604020202020204" pitchFamily="34" charset="0"/>
+                <a:ea typeface="宋体" panose="02010600030101010101" pitchFamily="2" charset="-122"/>
+              </a:defRPr>
+            </a:lvl2pPr>
+            <a:lvl3pPr marL="1143000" indent="-228600">
+              <a:defRPr>
+                <a:solidFill>
+                  <a:schemeClr val="tx1"/>
+                </a:solidFill>
+                <a:latin typeface="Arial" panose="020B0604020202020204" pitchFamily="34" charset="0"/>
+                <a:ea typeface="宋体" panose="02010600030101010101" pitchFamily="2" charset="-122"/>
+              </a:defRPr>
+            </a:lvl3pPr>
+            <a:lvl4pPr marL="1600200" indent="-228600">
+              <a:defRPr>
+                <a:solidFill>
+                  <a:schemeClr val="tx1"/>
+                </a:solidFill>
+                <a:latin typeface="Arial" panose="020B0604020202020204" pitchFamily="34" charset="0"/>
+                <a:ea typeface="宋体" panose="02010600030101010101" pitchFamily="2" charset="-122"/>
+              </a:defRPr>
+            </a:lvl4pPr>
+            <a:lvl5pPr marL="2057400" indent="-228600">
+              <a:defRPr>
+                <a:solidFill>
+                  <a:schemeClr val="tx1"/>
+                </a:solidFill>
+                <a:latin typeface="Arial" panose="020B0604020202020204" pitchFamily="34" charset="0"/>
+                <a:ea typeface="宋体" panose="02010600030101010101" pitchFamily="2" charset="-122"/>
+              </a:defRPr>
+            </a:lvl5pPr>
+            <a:lvl6pPr marL="2514600" indent="-228600" eaLnBrk="0" fontAlgn="base" hangingPunct="0">
+              <a:spcBef>
+                <a:spcPct val="0"/>
+              </a:spcBef>
+              <a:spcAft>
+                <a:spcPct val="0"/>
+              </a:spcAft>
+              <a:defRPr>
+                <a:solidFill>
+                  <a:schemeClr val="tx1"/>
+                </a:solidFill>
+                <a:latin typeface="Arial" panose="020B0604020202020204" pitchFamily="34" charset="0"/>
+                <a:ea typeface="宋体" panose="02010600030101010101" pitchFamily="2" charset="-122"/>
+              </a:defRPr>
+            </a:lvl6pPr>
+            <a:lvl7pPr marL="2971800" indent="-228600" eaLnBrk="0" fontAlgn="base" hangingPunct="0">
+              <a:spcBef>
+                <a:spcPct val="0"/>
+              </a:spcBef>
+              <a:spcAft>
+                <a:spcPct val="0"/>
+              </a:spcAft>
+              <a:defRPr>
+                <a:solidFill>
+                  <a:schemeClr val="tx1"/>
+                </a:solidFill>
+                <a:latin typeface="Arial" panose="020B0604020202020204" pitchFamily="34" charset="0"/>
+                <a:ea typeface="宋体" panose="02010600030101010101" pitchFamily="2" charset="-122"/>
+              </a:defRPr>
+            </a:lvl7pPr>
+            <a:lvl8pPr marL="3429000" indent="-228600" eaLnBrk="0" fontAlgn="base" hangingPunct="0">
+              <a:spcBef>
+                <a:spcPct val="0"/>
+              </a:spcBef>
+              <a:spcAft>
+                <a:spcPct val="0"/>
+              </a:spcAft>
+              <a:defRPr>
+                <a:solidFill>
+                  <a:schemeClr val="tx1"/>
+                </a:solidFill>
+                <a:latin typeface="Arial" panose="020B0604020202020204" pitchFamily="34" charset="0"/>
+                <a:ea typeface="宋体" panose="02010600030101010101" pitchFamily="2" charset="-122"/>
+              </a:defRPr>
+            </a:lvl8pPr>
+            <a:lvl9pPr marL="3886200" indent="-228600" eaLnBrk="0" fontAlgn="base" hangingPunct="0">
+              <a:spcBef>
+                <a:spcPct val="0"/>
+              </a:spcBef>
+              <a:spcAft>
+                <a:spcPct val="0"/>
+              </a:spcAft>
+              <a:defRPr>
+                <a:solidFill>
+                  <a:schemeClr val="tx1"/>
+                </a:solidFill>
+                <a:latin typeface="Arial" panose="020B0604020202020204" pitchFamily="34" charset="0"/>
+                <a:ea typeface="宋体" panose="02010600030101010101" pitchFamily="2" charset="-122"/>
+              </a:defRPr>
+            </a:lvl9pPr>
+          </a:lstStyle>
+          <a:p>
+            <a:pPr eaLnBrk="1" hangingPunct="1"/>
             <a:r>
               <a:rPr lang="zh-CN" altLang="en-US" sz="2400"/>
               <a:t>I</a:t>
@@ -4910,6 +5468,7 @@
             </a:r>
           </a:p>
           <a:p>
+            <a:pPr eaLnBrk="1" hangingPunct="1"/>
             <a:r>
               <a:rPr lang="zh-CN" altLang="en-US" sz="2400"/>
               <a:t>I</a:t>
@@ -4932,6 +5491,7 @@
             </a:r>
           </a:p>
           <a:p>
+            <a:pPr eaLnBrk="1" hangingPunct="1"/>
             <a:r>
               <a:rPr lang="zh-CN" altLang="en-US" sz="2400"/>
               <a:t>n  </a:t>
@@ -4950,7 +5510,7 @@
       </p:sp>
       <p:pic>
         <p:nvPicPr>
-          <p:cNvPr id="59396" name="图片 5"/>
+          <p:cNvPr id="59397" name="图片 5"/>
           <p:cNvPicPr>
             <a:picLocks noChangeAspect="1" noChangeArrowheads="1"/>
           </p:cNvPicPr>
@@ -5004,7 +5564,7 @@
       </p:pic>
       <p:sp>
         <p:nvSpPr>
-          <p:cNvPr id="59397" name="文本框 6"/>
+          <p:cNvPr id="59398" name="文本框 6"/>
           <p:cNvSpPr txBox="1">
             <a:spLocks noChangeArrowheads="1"/>
           </p:cNvSpPr>
@@ -5046,8 +5606,115 @@
           <a:bodyPr>
             <a:spAutoFit/>
           </a:bodyPr>
-          <a:lstStyle/>
-          <a:p>
+          <a:lstStyle>
+            <a:lvl1pPr>
+              <a:defRPr>
+                <a:solidFill>
+                  <a:schemeClr val="tx1"/>
+                </a:solidFill>
+                <a:latin typeface="Arial" panose="020B0604020202020204" pitchFamily="34" charset="0"/>
+                <a:ea typeface="宋体" panose="02010600030101010101" pitchFamily="2" charset="-122"/>
+              </a:defRPr>
+            </a:lvl1pPr>
+            <a:lvl2pPr marL="742950" indent="-285750">
+              <a:defRPr>
+                <a:solidFill>
+                  <a:schemeClr val="tx1"/>
+                </a:solidFill>
+                <a:latin typeface="Arial" panose="020B0604020202020204" pitchFamily="34" charset="0"/>
+                <a:ea typeface="宋体" panose="02010600030101010101" pitchFamily="2" charset="-122"/>
+              </a:defRPr>
+            </a:lvl2pPr>
+            <a:lvl3pPr marL="1143000" indent="-228600">
+              <a:defRPr>
+                <a:solidFill>
+                  <a:schemeClr val="tx1"/>
+                </a:solidFill>
+                <a:latin typeface="Arial" panose="020B0604020202020204" pitchFamily="34" charset="0"/>
+                <a:ea typeface="宋体" panose="02010600030101010101" pitchFamily="2" charset="-122"/>
+              </a:defRPr>
+            </a:lvl3pPr>
+            <a:lvl4pPr marL="1600200" indent="-228600">
+              <a:defRPr>
+                <a:solidFill>
+                  <a:schemeClr val="tx1"/>
+                </a:solidFill>
+                <a:latin typeface="Arial" panose="020B0604020202020204" pitchFamily="34" charset="0"/>
+                <a:ea typeface="宋体" panose="02010600030101010101" pitchFamily="2" charset="-122"/>
+              </a:defRPr>
+            </a:lvl4pPr>
+            <a:lvl5pPr marL="2057400" indent="-228600">
+              <a:defRPr>
+                <a:solidFill>
+                  <a:schemeClr val="tx1"/>
+                </a:solidFill>
+                <a:latin typeface="Arial" panose="020B0604020202020204" pitchFamily="34" charset="0"/>
+                <a:ea typeface="宋体" panose="02010600030101010101" pitchFamily="2" charset="-122"/>
+              </a:defRPr>
+            </a:lvl5pPr>
+            <a:lvl6pPr marL="2514600" indent="-228600" eaLnBrk="0" fontAlgn="base" hangingPunct="0">
+              <a:spcBef>
+                <a:spcPct val="0"/>
+              </a:spcBef>
+              <a:spcAft>
+                <a:spcPct val="0"/>
+              </a:spcAft>
+              <a:defRPr>
+                <a:solidFill>
+                  <a:schemeClr val="tx1"/>
+                </a:solidFill>
+                <a:latin typeface="Arial" panose="020B0604020202020204" pitchFamily="34" charset="0"/>
+                <a:ea typeface="宋体" panose="02010600030101010101" pitchFamily="2" charset="-122"/>
+              </a:defRPr>
+            </a:lvl6pPr>
+            <a:lvl7pPr marL="2971800" indent="-228600" eaLnBrk="0" fontAlgn="base" hangingPunct="0">
+              <a:spcBef>
+                <a:spcPct val="0"/>
+              </a:spcBef>
+              <a:spcAft>
+                <a:spcPct val="0"/>
+              </a:spcAft>
+              <a:defRPr>
+                <a:solidFill>
+                  <a:schemeClr val="tx1"/>
+                </a:solidFill>
+                <a:latin typeface="Arial" panose="020B0604020202020204" pitchFamily="34" charset="0"/>
+                <a:ea typeface="宋体" panose="02010600030101010101" pitchFamily="2" charset="-122"/>
+              </a:defRPr>
+            </a:lvl7pPr>
+            <a:lvl8pPr marL="3429000" indent="-228600" eaLnBrk="0" fontAlgn="base" hangingPunct="0">
+              <a:spcBef>
+                <a:spcPct val="0"/>
+              </a:spcBef>
+              <a:spcAft>
+                <a:spcPct val="0"/>
+              </a:spcAft>
+              <a:defRPr>
+                <a:solidFill>
+                  <a:schemeClr val="tx1"/>
+                </a:solidFill>
+                <a:latin typeface="Arial" panose="020B0604020202020204" pitchFamily="34" charset="0"/>
+                <a:ea typeface="宋体" panose="02010600030101010101" pitchFamily="2" charset="-122"/>
+              </a:defRPr>
+            </a:lvl8pPr>
+            <a:lvl9pPr marL="3886200" indent="-228600" eaLnBrk="0" fontAlgn="base" hangingPunct="0">
+              <a:spcBef>
+                <a:spcPct val="0"/>
+              </a:spcBef>
+              <a:spcAft>
+                <a:spcPct val="0"/>
+              </a:spcAft>
+              <a:defRPr>
+                <a:solidFill>
+                  <a:schemeClr val="tx1"/>
+                </a:solidFill>
+                <a:latin typeface="Arial" panose="020B0604020202020204" pitchFamily="34" charset="0"/>
+                <a:ea typeface="宋体" panose="02010600030101010101" pitchFamily="2" charset="-122"/>
+              </a:defRPr>
+            </a:lvl9pPr>
+          </a:lstStyle>
+          <a:p>
+            <a:pPr eaLnBrk="1" hangingPunct="1"/>
             <a:r>
               <a:rPr lang="zh-CN" altLang="en-US" sz="2000"/>
               <a:t>aims</a:t>
@@ -5110,6 +5777,7 @@
             </a:r>
           </a:p>
           <a:p>
+            <a:pPr eaLnBrk="1" hangingPunct="1"/>
             <a:r>
               <a:rPr lang="en-US" altLang="zh-CN" sz="2000"/>
               <a:t>n is needed, so this is a supervised way. when in the inference phase, RPM should be ignored, because n is unknown and This module has no effect on generating captions.</a:t>
@@ -5120,7 +5788,7 @@
     </p:spTree>
     <p:extLst>
       <p:ext uri="{BB962C8B-B14F-4D97-AF65-F5344CB8AC3E}">
-        <p14:creationId xmlns:p14="http://schemas.microsoft.com/office/powerpoint/2010/main" val="601086435"/>
+        <p14:creationId xmlns:p14="http://schemas.microsoft.com/office/powerpoint/2010/main" val="3017893622"/>
       </p:ext>
     </p:extLst>
   </p:cSld>
@@ -5149,7 +5817,7 @@
       </p:grpSpPr>
       <p:sp>
         <p:nvSpPr>
-          <p:cNvPr id="60417" name="标题 1"/>
+          <p:cNvPr id="60418" name="标题 1"/>
           <p:cNvSpPr>
             <a:spLocks noGrp="1" noChangeArrowheads="1"/>
           </p:cNvSpPr>
@@ -5162,8 +5830,9 @@
           <a:bodyPr/>
           <a:lstStyle/>
           <a:p>
-            <a:r>
-              <a:rPr lang="zh-CN" altLang="en-US" smtClean="0"/>
+            <a:pPr algn="ctr" eaLnBrk="1" hangingPunct="1"/>
+            <a:r>
+              <a:rPr lang="zh-CN" altLang="en-US" b="1" dirty="0" smtClean="0"/>
               <a:t>Training</a:t>
             </a:r>
           </a:p>
@@ -5171,7 +5840,7 @@
       </p:sp>
       <p:sp>
         <p:nvSpPr>
-          <p:cNvPr id="60418" name="内容占位符 2"/>
+          <p:cNvPr id="60419" name="内容占位符 2"/>
           <p:cNvSpPr>
             <a:spLocks noGrp="1" noChangeArrowheads="1"/>
           </p:cNvSpPr>
@@ -5184,18 +5853,22 @@
           <a:bodyPr/>
           <a:lstStyle/>
           <a:p>
+            <a:pPr eaLnBrk="1" hangingPunct="1"/>
             <a:r>
               <a:rPr lang="zh-CN" altLang="en-US" smtClean="0"/>
               <a:t>cross entropy loss</a:t>
             </a:r>
           </a:p>
           <a:p>
+            <a:pPr eaLnBrk="1" hangingPunct="1"/>
             <a:endParaRPr lang="zh-CN" altLang="en-US" smtClean="0"/>
           </a:p>
           <a:p>
+            <a:pPr eaLnBrk="1" hangingPunct="1"/>
             <a:endParaRPr lang="zh-CN" altLang="en-US" smtClean="0"/>
           </a:p>
           <a:p>
+            <a:pPr eaLnBrk="1" hangingPunct="1"/>
             <a:r>
               <a:rPr lang="zh-CN" altLang="en-US" smtClean="0"/>
               <a:t>the Position-Perceptive </a:t>
@@ -5210,12 +5883,15 @@
             </a:r>
           </a:p>
           <a:p>
+            <a:pPr eaLnBrk="1" hangingPunct="1"/>
             <a:endParaRPr lang="zh-CN" altLang="en-US" smtClean="0"/>
           </a:p>
           <a:p>
+            <a:pPr eaLnBrk="1" hangingPunct="1"/>
             <a:endParaRPr lang="zh-CN" altLang="en-US" smtClean="0"/>
           </a:p>
           <a:p>
+            <a:pPr eaLnBrk="1" hangingPunct="1"/>
             <a:r>
               <a:rPr lang="en-US" altLang="zh-CN" smtClean="0"/>
               <a:t>all loss</a:t>
@@ -5225,7 +5901,7 @@
       </p:sp>
       <p:pic>
         <p:nvPicPr>
-          <p:cNvPr id="60419" name="图片 3"/>
+          <p:cNvPr id="60420" name="图片 3"/>
           <p:cNvPicPr>
             <a:picLocks noChangeAspect="1" noChangeArrowheads="1"/>
           </p:cNvPicPr>
@@ -5279,7 +5955,7 @@
       </p:pic>
       <p:pic>
         <p:nvPicPr>
-          <p:cNvPr id="60420" name="图片 4"/>
+          <p:cNvPr id="60421" name="图片 4"/>
           <p:cNvPicPr>
             <a:picLocks noChangeAspect="1" noChangeArrowheads="1"/>
           </p:cNvPicPr>
@@ -5333,7 +6009,7 @@
       </p:pic>
       <p:pic>
         <p:nvPicPr>
-          <p:cNvPr id="60421" name="图片 5"/>
+          <p:cNvPr id="60422" name="图片 5"/>
           <p:cNvPicPr>
             <a:picLocks noChangeAspect="1" noChangeArrowheads="1"/>
           </p:cNvPicPr>
@@ -5388,7 +6064,7 @@
     </p:spTree>
     <p:extLst>
       <p:ext uri="{BB962C8B-B14F-4D97-AF65-F5344CB8AC3E}">
-        <p14:creationId xmlns:p14="http://schemas.microsoft.com/office/powerpoint/2010/main" val="1663855477"/>
+        <p14:creationId xmlns:p14="http://schemas.microsoft.com/office/powerpoint/2010/main" val="1584673755"/>
       </p:ext>
     </p:extLst>
   </p:cSld>
@@ -5417,7 +6093,7 @@
       </p:grpSpPr>
       <p:sp>
         <p:nvSpPr>
-          <p:cNvPr id="61441" name="标题 1"/>
+          <p:cNvPr id="61442" name="标题 1"/>
           <p:cNvSpPr>
             <a:spLocks noGrp="1" noChangeArrowheads="1"/>
           </p:cNvSpPr>
@@ -5430,8 +6106,9 @@
           <a:bodyPr/>
           <a:lstStyle/>
           <a:p>
-            <a:r>
-              <a:rPr lang="zh-CN" altLang="en-US" smtClean="0"/>
+            <a:pPr algn="ctr" eaLnBrk="1" hangingPunct="1"/>
+            <a:r>
+              <a:rPr lang="zh-CN" altLang="en-US" b="1" dirty="0" smtClean="0"/>
               <a:t>Ablation study</a:t>
             </a:r>
           </a:p>
@@ -5439,7 +6116,7 @@
       </p:sp>
       <p:pic>
         <p:nvPicPr>
-          <p:cNvPr id="61442" name="内容占位符 3"/>
+          <p:cNvPr id="61443" name="内容占位符 3"/>
           <p:cNvPicPr>
             <a:picLocks noGrp="1" noChangeAspect="1" noChangeArrowheads="1"/>
           </p:cNvPicPr>
@@ -5469,7 +6146,7 @@
       </p:pic>
       <p:sp>
         <p:nvSpPr>
-          <p:cNvPr id="61443" name="文本框 4"/>
+          <p:cNvPr id="61444" name="文本框 4"/>
           <p:cNvSpPr txBox="1">
             <a:spLocks noChangeArrowheads="1"/>
           </p:cNvSpPr>
@@ -5511,8 +6188,115 @@
           <a:bodyPr>
             <a:spAutoFit/>
           </a:bodyPr>
-          <a:lstStyle/>
-          <a:p>
+          <a:lstStyle>
+            <a:lvl1pPr>
+              <a:defRPr>
+                <a:solidFill>
+                  <a:schemeClr val="tx1"/>
+                </a:solidFill>
+                <a:latin typeface="Arial" panose="020B0604020202020204" pitchFamily="34" charset="0"/>
+                <a:ea typeface="宋体" panose="02010600030101010101" pitchFamily="2" charset="-122"/>
+              </a:defRPr>
+            </a:lvl1pPr>
+            <a:lvl2pPr marL="742950" indent="-285750">
+              <a:defRPr>
+                <a:solidFill>
+                  <a:schemeClr val="tx1"/>
+                </a:solidFill>
+                <a:latin typeface="Arial" panose="020B0604020202020204" pitchFamily="34" charset="0"/>
+                <a:ea typeface="宋体" panose="02010600030101010101" pitchFamily="2" charset="-122"/>
+              </a:defRPr>
+            </a:lvl2pPr>
+            <a:lvl3pPr marL="1143000" indent="-228600">
+              <a:defRPr>
+                <a:solidFill>
+                  <a:schemeClr val="tx1"/>
+                </a:solidFill>
+                <a:latin typeface="Arial" panose="020B0604020202020204" pitchFamily="34" charset="0"/>
+                <a:ea typeface="宋体" panose="02010600030101010101" pitchFamily="2" charset="-122"/>
+              </a:defRPr>
+            </a:lvl3pPr>
+            <a:lvl4pPr marL="1600200" indent="-228600">
+              <a:defRPr>
+                <a:solidFill>
+                  <a:schemeClr val="tx1"/>
+                </a:solidFill>
+                <a:latin typeface="Arial" panose="020B0604020202020204" pitchFamily="34" charset="0"/>
+                <a:ea typeface="宋体" panose="02010600030101010101" pitchFamily="2" charset="-122"/>
+              </a:defRPr>
+            </a:lvl4pPr>
+            <a:lvl5pPr marL="2057400" indent="-228600">
+              <a:defRPr>
+                <a:solidFill>
+                  <a:schemeClr val="tx1"/>
+                </a:solidFill>
+                <a:latin typeface="Arial" panose="020B0604020202020204" pitchFamily="34" charset="0"/>
+                <a:ea typeface="宋体" panose="02010600030101010101" pitchFamily="2" charset="-122"/>
+              </a:defRPr>
+            </a:lvl5pPr>
+            <a:lvl6pPr marL="2514600" indent="-228600" eaLnBrk="0" fontAlgn="base" hangingPunct="0">
+              <a:spcBef>
+                <a:spcPct val="0"/>
+              </a:spcBef>
+              <a:spcAft>
+                <a:spcPct val="0"/>
+              </a:spcAft>
+              <a:defRPr>
+                <a:solidFill>
+                  <a:schemeClr val="tx1"/>
+                </a:solidFill>
+                <a:latin typeface="Arial" panose="020B0604020202020204" pitchFamily="34" charset="0"/>
+                <a:ea typeface="宋体" panose="02010600030101010101" pitchFamily="2" charset="-122"/>
+              </a:defRPr>
+            </a:lvl6pPr>
+            <a:lvl7pPr marL="2971800" indent="-228600" eaLnBrk="0" fontAlgn="base" hangingPunct="0">
+              <a:spcBef>
+                <a:spcPct val="0"/>
+              </a:spcBef>
+              <a:spcAft>
+                <a:spcPct val="0"/>
+              </a:spcAft>
+              <a:defRPr>
+                <a:solidFill>
+                  <a:schemeClr val="tx1"/>
+                </a:solidFill>
+                <a:latin typeface="Arial" panose="020B0604020202020204" pitchFamily="34" charset="0"/>
+                <a:ea typeface="宋体" panose="02010600030101010101" pitchFamily="2" charset="-122"/>
+              </a:defRPr>
+            </a:lvl7pPr>
+            <a:lvl8pPr marL="3429000" indent="-228600" eaLnBrk="0" fontAlgn="base" hangingPunct="0">
+              <a:spcBef>
+                <a:spcPct val="0"/>
+              </a:spcBef>
+              <a:spcAft>
+                <a:spcPct val="0"/>
+              </a:spcAft>
+              <a:defRPr>
+                <a:solidFill>
+                  <a:schemeClr val="tx1"/>
+                </a:solidFill>
+                <a:latin typeface="Arial" panose="020B0604020202020204" pitchFamily="34" charset="0"/>
+                <a:ea typeface="宋体" panose="02010600030101010101" pitchFamily="2" charset="-122"/>
+              </a:defRPr>
+            </a:lvl8pPr>
+            <a:lvl9pPr marL="3886200" indent="-228600" eaLnBrk="0" fontAlgn="base" hangingPunct="0">
+              <a:spcBef>
+                <a:spcPct val="0"/>
+              </a:spcBef>
+              <a:spcAft>
+                <a:spcPct val="0"/>
+              </a:spcAft>
+              <a:defRPr>
+                <a:solidFill>
+                  <a:schemeClr val="tx1"/>
+                </a:solidFill>
+                <a:latin typeface="Arial" panose="020B0604020202020204" pitchFamily="34" charset="0"/>
+                <a:ea typeface="宋体" panose="02010600030101010101" pitchFamily="2" charset="-122"/>
+              </a:defRPr>
+            </a:lvl9pPr>
+          </a:lstStyle>
+          <a:p>
+            <a:pPr eaLnBrk="1" hangingPunct="1"/>
             <a:r>
               <a:rPr lang="zh-CN" altLang="en-US" sz="2000"/>
               <a:t>Baseline: the baseline denotes the RDN without Reflective Attention Module and Reflective Position Module</a:t>
@@ -5523,7 +6307,7 @@
     </p:spTree>
     <p:extLst>
       <p:ext uri="{BB962C8B-B14F-4D97-AF65-F5344CB8AC3E}">
-        <p14:creationId xmlns:p14="http://schemas.microsoft.com/office/powerpoint/2010/main" val="1683106802"/>
+        <p14:creationId xmlns:p14="http://schemas.microsoft.com/office/powerpoint/2010/main" val="264569656"/>
       </p:ext>
     </p:extLst>
   </p:cSld>
@@ -5552,7 +6336,7 @@
       </p:grpSpPr>
       <p:sp>
         <p:nvSpPr>
-          <p:cNvPr id="62465" name="标题 1"/>
+          <p:cNvPr id="62466" name="标题 1"/>
           <p:cNvSpPr>
             <a:spLocks noGrp="1" noChangeArrowheads="1"/>
           </p:cNvSpPr>
@@ -5565,19 +6349,20 @@
           <a:bodyPr/>
           <a:lstStyle/>
           <a:p>
-            <a:r>
-              <a:rPr lang="zh-CN" altLang="en-US" smtClean="0">
+            <a:pPr algn="ctr" eaLnBrk="1" hangingPunct="1"/>
+            <a:r>
+              <a:rPr lang="zh-CN" altLang="en-US" b="1" dirty="0" smtClean="0">
                 <a:sym typeface="宋体" panose="02010600030101010101" pitchFamily="2" charset="-122"/>
               </a:rPr>
               <a:t>Results</a:t>
             </a:r>
-            <a:endParaRPr lang="zh-CN" altLang="en-US" smtClean="0"/>
-          </a:p>
-        </p:txBody>
-      </p:sp>
-      <p:sp>
-        <p:nvSpPr>
-          <p:cNvPr id="62466" name="内容占位符 2"/>
+            <a:endParaRPr lang="zh-CN" altLang="en-US" b="1" dirty="0" smtClean="0"/>
+          </a:p>
+        </p:txBody>
+      </p:sp>
+      <p:sp>
+        <p:nvSpPr>
+          <p:cNvPr id="62467" name="内容占位符 2"/>
           <p:cNvSpPr>
             <a:spLocks noGrp="1" noChangeArrowheads="1"/>
           </p:cNvSpPr>
@@ -5595,24 +6380,30 @@
           <a:bodyPr/>
           <a:lstStyle/>
           <a:p>
+            <a:pPr eaLnBrk="1" hangingPunct="1"/>
             <a:r>
               <a:rPr lang="en-US" altLang="zh-CN" smtClean="0"/>
               <a:t>Single model</a:t>
             </a:r>
           </a:p>
           <a:p>
+            <a:pPr eaLnBrk="1" hangingPunct="1"/>
             <a:endParaRPr lang="en-US" altLang="zh-CN" smtClean="0"/>
           </a:p>
           <a:p>
+            <a:pPr eaLnBrk="1" hangingPunct="1"/>
             <a:endParaRPr lang="en-US" altLang="zh-CN" smtClean="0"/>
           </a:p>
           <a:p>
+            <a:pPr eaLnBrk="1" hangingPunct="1"/>
             <a:endParaRPr lang="en-US" altLang="zh-CN" smtClean="0"/>
           </a:p>
           <a:p>
+            <a:pPr eaLnBrk="1" hangingPunct="1"/>
             <a:endParaRPr lang="en-US" altLang="zh-CN" smtClean="0"/>
           </a:p>
           <a:p>
+            <a:pPr eaLnBrk="1" hangingPunct="1"/>
             <a:r>
               <a:rPr lang="en-US" altLang="zh-CN" smtClean="0"/>
               <a:t>ensembling</a:t>
@@ -5622,7 +6413,7 @@
       </p:sp>
       <p:pic>
         <p:nvPicPr>
-          <p:cNvPr id="62467" name="图片 3"/>
+          <p:cNvPr id="62468" name="图片 3"/>
           <p:cNvPicPr>
             <a:picLocks noChangeAspect="1" noChangeArrowheads="1"/>
           </p:cNvPicPr>
@@ -5676,7 +6467,7 @@
       </p:pic>
       <p:pic>
         <p:nvPicPr>
-          <p:cNvPr id="62468" name="图片 4"/>
+          <p:cNvPr id="62469" name="图片 4"/>
           <p:cNvPicPr>
             <a:picLocks noChangeAspect="1" noChangeArrowheads="1"/>
           </p:cNvPicPr>
@@ -5731,7 +6522,7 @@
     </p:spTree>
     <p:extLst>
       <p:ext uri="{BB962C8B-B14F-4D97-AF65-F5344CB8AC3E}">
-        <p14:creationId xmlns:p14="http://schemas.microsoft.com/office/powerpoint/2010/main" val="3394313777"/>
+        <p14:creationId xmlns:p14="http://schemas.microsoft.com/office/powerpoint/2010/main" val="1090081829"/>
       </p:ext>
     </p:extLst>
   </p:cSld>
